--- a/Load Balancing Algorithms in Cloud Computing final presentation Last.pptx
+++ b/Load Balancing Algorithms in Cloud Computing final presentation Last.pptx
@@ -3921,7 +3921,7 @@
           <a:p>
             <a:fld id="{68796EA6-6F25-4F19-87BA-7ADCC16DAEFF}" type="datetimeFigureOut">
               <a:rPr lang="en-US" smtClean="0"/>
-              <a:t>11/8/2017</a:t>
+              <a:t>11/11/2017</a:t>
             </a:fld>
             <a:endParaRPr lang="en-US" dirty="0"/>
           </a:p>
@@ -4086,7 +4086,7 @@
           <a:p>
             <a:fld id="{C39C172E-A8B5-46F6-B05C-DFA3E2E0F207}" type="datetimeFigureOut">
               <a:rPr lang="en-US" smtClean="0"/>
-              <a:t>11/8/2017</a:t>
+              <a:t>11/11/2017</a:t>
             </a:fld>
             <a:endParaRPr lang="en-US" dirty="0"/>
           </a:p>
@@ -6748,7 +6748,7 @@
             <a:fld id="{4E708F12-96AD-4ED4-8132-A78F5E42C1F5}" type="datetime1">
               <a:rPr lang="en-US" smtClean="0"/>
               <a:pPr/>
-              <a:t>11/8/2017</a:t>
+              <a:t>11/11/2017</a:t>
             </a:fld>
             <a:endParaRPr lang="en-US" dirty="0"/>
           </a:p>
@@ -6972,7 +6972,7 @@
           <a:p>
             <a:fld id="{7B7FA170-8299-44AD-AEEF-FC686C3D7804}" type="datetime1">
               <a:rPr lang="en-US" smtClean="0"/>
-              <a:t>11/8/2017</a:t>
+              <a:t>11/11/2017</a:t>
             </a:fld>
             <a:endParaRPr lang="en-US" dirty="0"/>
           </a:p>
@@ -7244,7 +7244,7 @@
           <a:p>
             <a:fld id="{2231763A-68EC-4ECD-9620-D9FE9CDDD622}" type="datetime1">
               <a:rPr lang="en-US" smtClean="0"/>
-              <a:t>11/8/2017</a:t>
+              <a:t>11/11/2017</a:t>
             </a:fld>
             <a:endParaRPr lang="en-US" dirty="0"/>
           </a:p>
@@ -7434,7 +7434,7 @@
           <a:p>
             <a:fld id="{7B98BEDD-6160-49BB-B372-861DE7DE9BA5}" type="datetime1">
               <a:rPr lang="en-US" smtClean="0"/>
-              <a:t>11/8/2017</a:t>
+              <a:t>11/11/2017</a:t>
             </a:fld>
             <a:endParaRPr lang="en-US" dirty="0"/>
           </a:p>
@@ -7793,7 +7793,7 @@
           <a:p>
             <a:fld id="{0AAE819F-B7FD-4B29-8F66-9E318144BC2A}" type="datetime1">
               <a:rPr lang="en-US" smtClean="0"/>
-              <a:t>11/8/2017</a:t>
+              <a:t>11/11/2017</a:t>
             </a:fld>
             <a:endParaRPr lang="en-US" dirty="0"/>
           </a:p>
@@ -8084,7 +8084,7 @@
           <a:p>
             <a:fld id="{D4CA159C-B6E0-4F10-9F4A-2FA57003B139}" type="datetime1">
               <a:rPr lang="en-US" smtClean="0"/>
-              <a:t>11/8/2017</a:t>
+              <a:t>11/11/2017</a:t>
             </a:fld>
             <a:endParaRPr lang="en-US" dirty="0"/>
           </a:p>
@@ -8495,7 +8495,7 @@
           <a:p>
             <a:fld id="{8170CBBB-D1D1-4386-A5E9-07F3477B78F3}" type="datetime1">
               <a:rPr lang="en-US" smtClean="0"/>
-              <a:t>11/8/2017</a:t>
+              <a:t>11/11/2017</a:t>
             </a:fld>
             <a:endParaRPr lang="en-US" dirty="0"/>
           </a:p>
@@ -8629,7 +8629,7 @@
           <a:p>
             <a:fld id="{9FA4CAD8-0EA7-4615-B69B-B2F199EF3A93}" type="datetime1">
               <a:rPr lang="en-US" smtClean="0"/>
-              <a:t>11/8/2017</a:t>
+              <a:t>11/11/2017</a:t>
             </a:fld>
             <a:endParaRPr lang="en-US" dirty="0"/>
           </a:p>
@@ -8816,7 +8816,7 @@
           <a:p>
             <a:fld id="{B9234BD7-6953-492C-921B-E68B2D7F14C8}" type="datetime1">
               <a:rPr lang="en-US" smtClean="0"/>
-              <a:t>11/8/2017</a:t>
+              <a:t>11/11/2017</a:t>
             </a:fld>
             <a:endParaRPr lang="en-US" dirty="0"/>
           </a:p>
@@ -9186,7 +9186,7 @@
           <a:p>
             <a:fld id="{35A17D9B-D4D3-4E23-88DF-2E354FA43196}" type="datetime1">
               <a:rPr lang="en-US" smtClean="0"/>
-              <a:t>11/8/2017</a:t>
+              <a:t>11/11/2017</a:t>
             </a:fld>
             <a:endParaRPr lang="en-US" dirty="0"/>
           </a:p>
@@ -9584,7 +9584,7 @@
           <a:p>
             <a:fld id="{541F67C5-D04E-4576-B61C-12ABA14BBD6C}" type="datetime1">
               <a:rPr lang="en-US" smtClean="0"/>
-              <a:t>11/8/2017</a:t>
+              <a:t>11/11/2017</a:t>
             </a:fld>
             <a:endParaRPr lang="en-US" dirty="0"/>
           </a:p>
@@ -9884,7 +9884,7 @@
             <a:fld id="{C20F09E4-6EA4-4BF3-9FC8-FF40373B88E6}" type="datetime1">
               <a:rPr lang="en-US" smtClean="0"/>
               <a:pPr/>
-              <a:t>11/8/2017</a:t>
+              <a:t>11/11/2017</a:t>
             </a:fld>
             <a:endParaRPr lang="en-US" dirty="0"/>
           </a:p>
@@ -10894,7 +10894,12 @@
             <p:ph idx="1"/>
           </p:nvPr>
         </p:nvSpPr>
-        <p:spPr/>
+        <p:spPr>
+          <a:xfrm>
+            <a:off x="1097280" y="1827978"/>
+            <a:ext cx="10058400" cy="4023360"/>
+          </a:xfrm>
+        </p:spPr>
         <p:txBody>
           <a:bodyPr/>
           <a:lstStyle/>
@@ -10983,7 +10988,7 @@
             </a:r>
             <a:r>
               <a:rPr lang="en-IN" sz="1200" dirty="0"/>
-              <a:t> theorem in cloud environment." IEEE Transactions on Parallel</a:t>
+              <a:t> theorem in cloud environment." IEEE Transactions on Parallel and Distributed Systems 27.2 (2016): 305-316.</a:t>
             </a:r>
           </a:p>
           <a:p>
@@ -11100,7 +11105,7 @@
         <p:spPr>
           <a:xfrm>
             <a:off x="1079158" y="5133886"/>
-            <a:ext cx="9308756" cy="646331"/>
+            <a:ext cx="9308756" cy="923330"/>
           </a:xfrm>
           <a:prstGeom prst="rect">
             <a:avLst/>
@@ -11122,7 +11127,7 @@
             </a:r>
             <a:r>
               <a:rPr lang="en-IN" b="1" dirty="0"/>
-              <a:t> theorem in cloud environment." IEEE Transactions on Parallel</a:t>
+              <a:t> theorem in cloud environment." IEEE Transactions on Parallel and Distributed Systems 27.2 (2016): 305-316.</a:t>
             </a:r>
           </a:p>
         </p:txBody>
@@ -11787,7 +11792,7 @@
         </p:blipFill>
         <p:spPr>
           <a:xfrm>
-            <a:off x="5696094" y="5704601"/>
+            <a:off x="5721128" y="5426810"/>
             <a:ext cx="220999" cy="312447"/>
           </a:xfrm>
           <a:prstGeom prst="rect">
@@ -11809,7 +11814,7 @@
         </p:nvSpPr>
         <p:spPr>
           <a:xfrm>
-            <a:off x="5968162" y="4985527"/>
+            <a:off x="5968162" y="4994405"/>
             <a:ext cx="5187518" cy="369332"/>
           </a:xfrm>
           <a:prstGeom prst="rect">
@@ -11869,7 +11874,7 @@
         </p:nvSpPr>
         <p:spPr>
           <a:xfrm>
-            <a:off x="6002402" y="5684428"/>
+            <a:off x="5992557" y="5389073"/>
             <a:ext cx="5187518" cy="369332"/>
           </a:xfrm>
           <a:prstGeom prst="rect">
@@ -12034,6 +12039,68 @@
           <a:p>
             <a:pPr algn="ctr"/>
             <a:endParaRPr lang="en-GB"/>
+          </a:p>
+        </p:txBody>
+      </p:sp>
+      <p:sp>
+        <p:nvSpPr>
+          <p:cNvPr id="12" name="TextBox 11">
+            <a:extLst>
+              <a:ext uri="{FF2B5EF4-FFF2-40B4-BE49-F238E27FC236}">
+                <a16:creationId xmlns:a16="http://schemas.microsoft.com/office/drawing/2014/main" id="{CC6C05A7-54BE-47B9-83F4-DD41E8AD9E17}"/>
+              </a:ext>
+            </a:extLst>
+          </p:cNvPr>
+          <p:cNvSpPr txBox="1"/>
+          <p:nvPr/>
+        </p:nvSpPr>
+        <p:spPr>
+          <a:xfrm>
+            <a:off x="5604177" y="5772255"/>
+            <a:ext cx="5187518" cy="646331"/>
+          </a:xfrm>
+          <a:prstGeom prst="rect">
+            <a:avLst/>
+          </a:prstGeom>
+          <a:noFill/>
+        </p:spPr>
+        <p:txBody>
+          <a:bodyPr wrap="square" rtlCol="0">
+            <a:spAutoFit/>
+          </a:bodyPr>
+          <a:lstStyle/>
+          <a:p>
+            <a:r>
+              <a:rPr lang="en-US" dirty="0">
+                <a:solidFill>
+                  <a:schemeClr val="tx2"/>
+                </a:solidFill>
+              </a:rPr>
+              <a:t>SD = Similarity Degree</a:t>
+            </a:r>
+          </a:p>
+          <a:p>
+            <a:r>
+              <a:rPr lang="en-US" dirty="0" err="1">
+                <a:solidFill>
+                  <a:schemeClr val="tx2"/>
+                </a:solidFill>
+              </a:rPr>
+              <a:t>Nph</a:t>
+            </a:r>
+            <a:r>
+              <a:rPr lang="en-US" dirty="0">
+                <a:solidFill>
+                  <a:schemeClr val="tx2"/>
+                </a:solidFill>
+              </a:rPr>
+              <a:t> = Set of new physical host</a:t>
+            </a:r>
+            <a:endParaRPr lang="en-GB" dirty="0">
+              <a:solidFill>
+                <a:schemeClr val="tx2"/>
+              </a:solidFill>
+            </a:endParaRPr>
           </a:p>
         </p:txBody>
       </p:sp>
@@ -12573,6 +12640,50 @@
           </a:prstGeom>
         </p:spPr>
       </p:pic>
+      <p:sp>
+        <p:nvSpPr>
+          <p:cNvPr id="8" name="TextBox 7">
+            <a:extLst>
+              <a:ext uri="{FF2B5EF4-FFF2-40B4-BE49-F238E27FC236}">
+                <a16:creationId xmlns:a16="http://schemas.microsoft.com/office/drawing/2014/main" id="{4B6D43B5-4955-4EA6-899F-122F26A942FB}"/>
+              </a:ext>
+            </a:extLst>
+          </p:cNvPr>
+          <p:cNvSpPr txBox="1"/>
+          <p:nvPr/>
+        </p:nvSpPr>
+        <p:spPr>
+          <a:xfrm>
+            <a:off x="4027207" y="5152752"/>
+            <a:ext cx="7463162" cy="707886"/>
+          </a:xfrm>
+          <a:prstGeom prst="rect">
+            <a:avLst/>
+          </a:prstGeom>
+          <a:noFill/>
+        </p:spPr>
+        <p:txBody>
+          <a:bodyPr wrap="square" rtlCol="0">
+            <a:spAutoFit/>
+          </a:bodyPr>
+          <a:lstStyle/>
+          <a:p>
+            <a:r>
+              <a:rPr lang="en-US" sz="2000" dirty="0">
+                <a:solidFill>
+                  <a:schemeClr val="tx2"/>
+                </a:solidFill>
+              </a:rPr>
+              <a:t>P(Bi/A) = Probability of happening of event B provided event A occurred</a:t>
+            </a:r>
+            <a:endParaRPr lang="en-GB" sz="2000" dirty="0">
+              <a:solidFill>
+                <a:schemeClr val="tx2"/>
+              </a:solidFill>
+            </a:endParaRPr>
+          </a:p>
+        </p:txBody>
+      </p:sp>
     </p:spTree>
     <p:extLst>
       <p:ext uri="{BB962C8B-B14F-4D97-AF65-F5344CB8AC3E}">
@@ -13343,8 +13454,8 @@
         </p:nvSpPr>
         <p:spPr>
           <a:xfrm>
-            <a:off x="3906915" y="4484152"/>
-            <a:ext cx="6693763" cy="646331"/>
+            <a:off x="3906915" y="4068654"/>
+            <a:ext cx="6693763" cy="1477328"/>
           </a:xfrm>
           <a:prstGeom prst="rect">
             <a:avLst/>
@@ -13356,6 +13467,182 @@
             <a:spAutoFit/>
           </a:bodyPr>
           <a:lstStyle/>
+          <a:p>
+            <a:r>
+              <a:rPr lang="en-US" dirty="0">
+                <a:solidFill>
+                  <a:schemeClr val="accent1">
+                    <a:lumMod val="75000"/>
+                  </a:schemeClr>
+                </a:solidFill>
+              </a:rPr>
+              <a:t>L(</a:t>
+            </a:r>
+            <a:r>
+              <a:rPr lang="en-US" dirty="0" err="1">
+                <a:solidFill>
+                  <a:schemeClr val="accent1">
+                    <a:lumMod val="75000"/>
+                  </a:schemeClr>
+                </a:solidFill>
+              </a:rPr>
+              <a:t>i</a:t>
+            </a:r>
+            <a:r>
+              <a:rPr lang="en-US" dirty="0">
+                <a:solidFill>
+                  <a:schemeClr val="accent1">
+                    <a:lumMod val="75000"/>
+                  </a:schemeClr>
+                </a:solidFill>
+              </a:rPr>
+              <a:t>) = Remaining total resource of </a:t>
+            </a:r>
+            <a:r>
+              <a:rPr lang="en-US" dirty="0" err="1">
+                <a:solidFill>
+                  <a:schemeClr val="accent1">
+                    <a:lumMod val="75000"/>
+                  </a:schemeClr>
+                </a:solidFill>
+              </a:rPr>
+              <a:t>ith</a:t>
+            </a:r>
+            <a:r>
+              <a:rPr lang="en-US" dirty="0">
+                <a:solidFill>
+                  <a:schemeClr val="accent1">
+                    <a:lumMod val="75000"/>
+                  </a:schemeClr>
+                </a:solidFill>
+              </a:rPr>
+              <a:t> physical host</a:t>
+            </a:r>
+          </a:p>
+          <a:p>
+            <a:r>
+              <a:rPr lang="en-US" dirty="0" err="1">
+                <a:solidFill>
+                  <a:schemeClr val="accent1">
+                    <a:lumMod val="75000"/>
+                  </a:schemeClr>
+                </a:solidFill>
+              </a:rPr>
+              <a:t>Lc</a:t>
+            </a:r>
+            <a:r>
+              <a:rPr lang="en-US" dirty="0">
+                <a:solidFill>
+                  <a:schemeClr val="accent1">
+                    <a:lumMod val="75000"/>
+                  </a:schemeClr>
+                </a:solidFill>
+              </a:rPr>
+              <a:t>(</a:t>
+            </a:r>
+            <a:r>
+              <a:rPr lang="en-US" dirty="0" err="1">
+                <a:solidFill>
+                  <a:schemeClr val="accent1">
+                    <a:lumMod val="75000"/>
+                  </a:schemeClr>
+                </a:solidFill>
+              </a:rPr>
+              <a:t>i</a:t>
+            </a:r>
+            <a:r>
+              <a:rPr lang="en-US" dirty="0">
+                <a:solidFill>
+                  <a:schemeClr val="accent1">
+                    <a:lumMod val="75000"/>
+                  </a:schemeClr>
+                </a:solidFill>
+              </a:rPr>
+              <a:t>) = Remaining CPU resource of </a:t>
+            </a:r>
+            <a:r>
+              <a:rPr lang="en-US" dirty="0" err="1">
+                <a:solidFill>
+                  <a:schemeClr val="accent1">
+                    <a:lumMod val="75000"/>
+                  </a:schemeClr>
+                </a:solidFill>
+              </a:rPr>
+              <a:t>ith</a:t>
+            </a:r>
+            <a:r>
+              <a:rPr lang="en-US" dirty="0">
+                <a:solidFill>
+                  <a:schemeClr val="accent1">
+                    <a:lumMod val="75000"/>
+                  </a:schemeClr>
+                </a:solidFill>
+              </a:rPr>
+              <a:t> physical host</a:t>
+            </a:r>
+          </a:p>
+          <a:p>
+            <a:r>
+              <a:rPr lang="en-US" dirty="0" err="1">
+                <a:solidFill>
+                  <a:schemeClr val="accent1">
+                    <a:lumMod val="75000"/>
+                  </a:schemeClr>
+                </a:solidFill>
+              </a:rPr>
+              <a:t>Lmem</a:t>
+            </a:r>
+            <a:r>
+              <a:rPr lang="en-US" dirty="0">
+                <a:solidFill>
+                  <a:schemeClr val="accent1">
+                    <a:lumMod val="75000"/>
+                  </a:schemeClr>
+                </a:solidFill>
+              </a:rPr>
+              <a:t>(</a:t>
+            </a:r>
+            <a:r>
+              <a:rPr lang="en-US" dirty="0" err="1">
+                <a:solidFill>
+                  <a:schemeClr val="accent1">
+                    <a:lumMod val="75000"/>
+                  </a:schemeClr>
+                </a:solidFill>
+              </a:rPr>
+              <a:t>i</a:t>
+            </a:r>
+            <a:r>
+              <a:rPr lang="en-US" dirty="0">
+                <a:solidFill>
+                  <a:schemeClr val="accent1">
+                    <a:lumMod val="75000"/>
+                  </a:schemeClr>
+                </a:solidFill>
+              </a:rPr>
+              <a:t>) = Remaining memory resource of </a:t>
+            </a:r>
+            <a:r>
+              <a:rPr lang="en-US" dirty="0" err="1">
+                <a:solidFill>
+                  <a:schemeClr val="accent1">
+                    <a:lumMod val="75000"/>
+                  </a:schemeClr>
+                </a:solidFill>
+              </a:rPr>
+              <a:t>ith</a:t>
+            </a:r>
+            <a:r>
+              <a:rPr lang="en-US" dirty="0">
+                <a:solidFill>
+                  <a:schemeClr val="accent1">
+                    <a:lumMod val="75000"/>
+                  </a:schemeClr>
+                </a:solidFill>
+              </a:rPr>
+              <a:t> physical host</a:t>
+            </a:r>
+          </a:p>
           <a:p>
             <a:r>
               <a:rPr lang="en-US" dirty="0">
@@ -13596,8 +13883,8 @@
         </p:blipFill>
         <p:spPr>
           <a:xfrm>
-            <a:off x="938171" y="3226320"/>
-            <a:ext cx="2570263" cy="698096"/>
+            <a:off x="635027" y="3092527"/>
+            <a:ext cx="2172649" cy="590102"/>
           </a:xfrm>
           <a:prstGeom prst="rect">
             <a:avLst/>
@@ -13632,7 +13919,7 @@
         </p:blipFill>
         <p:spPr>
           <a:xfrm>
-            <a:off x="4903751" y="3323346"/>
+            <a:off x="3391191" y="3111341"/>
             <a:ext cx="2280196" cy="504044"/>
           </a:xfrm>
           <a:prstGeom prst="rect">
@@ -13690,7 +13977,7 @@
         </p:nvSpPr>
         <p:spPr>
           <a:xfrm>
-            <a:off x="3959441" y="3364637"/>
+            <a:off x="2895247" y="3205635"/>
             <a:ext cx="408373" cy="230819"/>
           </a:xfrm>
           <a:prstGeom prst="leftArrow">
@@ -13804,6 +14091,264 @@
           </a:prstGeom>
         </p:spPr>
       </p:pic>
+      <p:sp>
+        <p:nvSpPr>
+          <p:cNvPr id="12" name="TextBox 11">
+            <a:extLst>
+              <a:ext uri="{FF2B5EF4-FFF2-40B4-BE49-F238E27FC236}">
+                <a16:creationId xmlns:a16="http://schemas.microsoft.com/office/drawing/2014/main" id="{3A75B414-4525-4252-BEC0-3685599FEF38}"/>
+              </a:ext>
+            </a:extLst>
+          </p:cNvPr>
+          <p:cNvSpPr txBox="1"/>
+          <p:nvPr/>
+        </p:nvSpPr>
+        <p:spPr>
+          <a:xfrm>
+            <a:off x="5853049" y="2280195"/>
+            <a:ext cx="5667207" cy="1754326"/>
+          </a:xfrm>
+          <a:prstGeom prst="rect">
+            <a:avLst/>
+          </a:prstGeom>
+          <a:noFill/>
+        </p:spPr>
+        <p:txBody>
+          <a:bodyPr wrap="square" rtlCol="0">
+            <a:spAutoFit/>
+          </a:bodyPr>
+          <a:lstStyle/>
+          <a:p>
+            <a:r>
+              <a:rPr lang="en-US" dirty="0">
+                <a:solidFill>
+                  <a:schemeClr val="accent1">
+                    <a:lumMod val="75000"/>
+                  </a:schemeClr>
+                </a:solidFill>
+              </a:rPr>
+              <a:t>R(</a:t>
+            </a:r>
+            <a:r>
+              <a:rPr lang="en-US" dirty="0" err="1">
+                <a:solidFill>
+                  <a:schemeClr val="accent1">
+                    <a:lumMod val="75000"/>
+                  </a:schemeClr>
+                </a:solidFill>
+              </a:rPr>
+              <a:t>i</a:t>
+            </a:r>
+            <a:r>
+              <a:rPr lang="en-US" dirty="0">
+                <a:solidFill>
+                  <a:schemeClr val="accent1">
+                    <a:lumMod val="75000"/>
+                  </a:schemeClr>
+                </a:solidFill>
+              </a:rPr>
+              <a:t>) = Remaining total resource of </a:t>
+            </a:r>
+            <a:r>
+              <a:rPr lang="en-US" dirty="0" err="1">
+                <a:solidFill>
+                  <a:schemeClr val="accent1">
+                    <a:lumMod val="75000"/>
+                  </a:schemeClr>
+                </a:solidFill>
+              </a:rPr>
+              <a:t>ith</a:t>
+            </a:r>
+            <a:r>
+              <a:rPr lang="en-US" dirty="0">
+                <a:solidFill>
+                  <a:schemeClr val="accent1">
+                    <a:lumMod val="75000"/>
+                  </a:schemeClr>
+                </a:solidFill>
+              </a:rPr>
+              <a:t> task</a:t>
+            </a:r>
+          </a:p>
+          <a:p>
+            <a:r>
+              <a:rPr lang="en-US" dirty="0" err="1">
+                <a:solidFill>
+                  <a:schemeClr val="accent1">
+                    <a:lumMod val="75000"/>
+                  </a:schemeClr>
+                </a:solidFill>
+              </a:rPr>
+              <a:t>Rc</a:t>
+            </a:r>
+            <a:r>
+              <a:rPr lang="en-US" dirty="0">
+                <a:solidFill>
+                  <a:schemeClr val="accent1">
+                    <a:lumMod val="75000"/>
+                  </a:schemeClr>
+                </a:solidFill>
+              </a:rPr>
+              <a:t>(</a:t>
+            </a:r>
+            <a:r>
+              <a:rPr lang="en-US" dirty="0" err="1">
+                <a:solidFill>
+                  <a:schemeClr val="accent1">
+                    <a:lumMod val="75000"/>
+                  </a:schemeClr>
+                </a:solidFill>
+              </a:rPr>
+              <a:t>i</a:t>
+            </a:r>
+            <a:r>
+              <a:rPr lang="en-US" dirty="0">
+                <a:solidFill>
+                  <a:schemeClr val="accent1">
+                    <a:lumMod val="75000"/>
+                  </a:schemeClr>
+                </a:solidFill>
+              </a:rPr>
+              <a:t>) = Remaining CPU resource of </a:t>
+            </a:r>
+            <a:r>
+              <a:rPr lang="en-US" dirty="0" err="1">
+                <a:solidFill>
+                  <a:schemeClr val="accent1">
+                    <a:lumMod val="75000"/>
+                  </a:schemeClr>
+                </a:solidFill>
+              </a:rPr>
+              <a:t>ith</a:t>
+            </a:r>
+            <a:r>
+              <a:rPr lang="en-US" dirty="0">
+                <a:solidFill>
+                  <a:schemeClr val="accent1">
+                    <a:lumMod val="75000"/>
+                  </a:schemeClr>
+                </a:solidFill>
+              </a:rPr>
+              <a:t> task </a:t>
+            </a:r>
+          </a:p>
+          <a:p>
+            <a:r>
+              <a:rPr lang="en-US" dirty="0" err="1">
+                <a:solidFill>
+                  <a:schemeClr val="accent1">
+                    <a:lumMod val="75000"/>
+                  </a:schemeClr>
+                </a:solidFill>
+              </a:rPr>
+              <a:t>Rmem</a:t>
+            </a:r>
+            <a:r>
+              <a:rPr lang="en-US" dirty="0">
+                <a:solidFill>
+                  <a:schemeClr val="accent1">
+                    <a:lumMod val="75000"/>
+                  </a:schemeClr>
+                </a:solidFill>
+              </a:rPr>
+              <a:t>(</a:t>
+            </a:r>
+            <a:r>
+              <a:rPr lang="en-US" dirty="0" err="1">
+                <a:solidFill>
+                  <a:schemeClr val="accent1">
+                    <a:lumMod val="75000"/>
+                  </a:schemeClr>
+                </a:solidFill>
+              </a:rPr>
+              <a:t>i</a:t>
+            </a:r>
+            <a:r>
+              <a:rPr lang="en-US" dirty="0">
+                <a:solidFill>
+                  <a:schemeClr val="accent1">
+                    <a:lumMod val="75000"/>
+                  </a:schemeClr>
+                </a:solidFill>
+              </a:rPr>
+              <a:t>) = Remaining memory resource of </a:t>
+            </a:r>
+            <a:r>
+              <a:rPr lang="en-US" dirty="0" err="1">
+                <a:solidFill>
+                  <a:schemeClr val="accent1">
+                    <a:lumMod val="75000"/>
+                  </a:schemeClr>
+                </a:solidFill>
+              </a:rPr>
+              <a:t>ith</a:t>
+            </a:r>
+            <a:r>
+              <a:rPr lang="en-US" dirty="0">
+                <a:solidFill>
+                  <a:schemeClr val="accent1">
+                    <a:lumMod val="75000"/>
+                  </a:schemeClr>
+                </a:solidFill>
+              </a:rPr>
+              <a:t> task</a:t>
+            </a:r>
+          </a:p>
+          <a:p>
+            <a:r>
+              <a:rPr lang="en-US" dirty="0">
+                <a:solidFill>
+                  <a:schemeClr val="accent1">
+                    <a:lumMod val="75000"/>
+                  </a:schemeClr>
+                </a:solidFill>
+              </a:rPr>
+              <a:t>a(alpha) = weight value of CPU</a:t>
+            </a:r>
+          </a:p>
+          <a:p>
+            <a:r>
+              <a:rPr lang="en-US" dirty="0">
+                <a:solidFill>
+                  <a:schemeClr val="accent1">
+                    <a:lumMod val="75000"/>
+                  </a:schemeClr>
+                </a:solidFill>
+              </a:rPr>
+              <a:t>b(Beta) = weight value of memory</a:t>
+            </a:r>
+          </a:p>
+          <a:p>
+            <a:r>
+              <a:rPr lang="en-US" dirty="0" err="1">
+                <a:solidFill>
+                  <a:schemeClr val="accent1">
+                    <a:lumMod val="75000"/>
+                  </a:schemeClr>
+                </a:solidFill>
+              </a:rPr>
+              <a:t>Lmreq</a:t>
+            </a:r>
+            <a:r>
+              <a:rPr lang="en-US" dirty="0">
+                <a:solidFill>
+                  <a:schemeClr val="accent1">
+                    <a:lumMod val="75000"/>
+                  </a:schemeClr>
+                </a:solidFill>
+              </a:rPr>
+              <a:t> = maximum requested resource amount </a:t>
+            </a:r>
+            <a:endParaRPr lang="en-GB" dirty="0">
+              <a:solidFill>
+                <a:schemeClr val="accent1">
+                  <a:lumMod val="75000"/>
+                </a:schemeClr>
+              </a:solidFill>
+            </a:endParaRPr>
+          </a:p>
+        </p:txBody>
+      </p:sp>
     </p:spTree>
     <p:extLst>
       <p:ext uri="{BB962C8B-B14F-4D97-AF65-F5344CB8AC3E}">
@@ -13999,6 +14544,96 @@
           </a:prstGeom>
         </p:spPr>
       </p:pic>
+      <p:sp>
+        <p:nvSpPr>
+          <p:cNvPr id="4" name="TextBox 3">
+            <a:extLst>
+              <a:ext uri="{FF2B5EF4-FFF2-40B4-BE49-F238E27FC236}">
+                <a16:creationId xmlns:a16="http://schemas.microsoft.com/office/drawing/2014/main" id="{8C862D92-6161-4A3E-A0EE-6D365B01ABB7}"/>
+              </a:ext>
+            </a:extLst>
+          </p:cNvPr>
+          <p:cNvSpPr txBox="1"/>
+          <p:nvPr/>
+        </p:nvSpPr>
+        <p:spPr>
+          <a:xfrm>
+            <a:off x="5131293" y="4172505"/>
+            <a:ext cx="5655076" cy="646331"/>
+          </a:xfrm>
+          <a:prstGeom prst="rect">
+            <a:avLst/>
+          </a:prstGeom>
+          <a:noFill/>
+        </p:spPr>
+        <p:txBody>
+          <a:bodyPr wrap="square" rtlCol="0">
+            <a:spAutoFit/>
+          </a:bodyPr>
+          <a:lstStyle/>
+          <a:p>
+            <a:r>
+              <a:rPr lang="en-US" dirty="0" err="1">
+                <a:solidFill>
+                  <a:schemeClr val="accent1">
+                    <a:lumMod val="75000"/>
+                  </a:schemeClr>
+                </a:solidFill>
+              </a:rPr>
+              <a:t>Lmreq</a:t>
+            </a:r>
+            <a:r>
+              <a:rPr lang="en-US" dirty="0">
+                <a:solidFill>
+                  <a:schemeClr val="accent1">
+                    <a:lumMod val="75000"/>
+                  </a:schemeClr>
+                </a:solidFill>
+              </a:rPr>
+              <a:t> = maximum requested resource amount </a:t>
+            </a:r>
+          </a:p>
+          <a:p>
+            <a:r>
+              <a:rPr lang="en-US" dirty="0">
+                <a:solidFill>
+                  <a:schemeClr val="accent1">
+                    <a:lumMod val="75000"/>
+                  </a:schemeClr>
+                </a:solidFill>
+              </a:rPr>
+              <a:t>Li = Remaining total resource of </a:t>
+            </a:r>
+            <a:r>
+              <a:rPr lang="en-US" dirty="0" err="1">
+                <a:solidFill>
+                  <a:schemeClr val="accent1">
+                    <a:lumMod val="75000"/>
+                  </a:schemeClr>
+                </a:solidFill>
+              </a:rPr>
+              <a:t>ith</a:t>
+            </a:r>
+            <a:r>
+              <a:rPr lang="en-US" dirty="0">
+                <a:solidFill>
+                  <a:schemeClr val="accent1">
+                    <a:lumMod val="75000"/>
+                  </a:schemeClr>
+                </a:solidFill>
+              </a:rPr>
+              <a:t> physical host</a:t>
+            </a:r>
+            <a:endParaRPr lang="en-GB" dirty="0">
+              <a:solidFill>
+                <a:schemeClr val="accent1">
+                  <a:lumMod val="75000"/>
+                </a:schemeClr>
+              </a:solidFill>
+            </a:endParaRPr>
+          </a:p>
+        </p:txBody>
+      </p:sp>
     </p:spTree>
     <p:extLst>
       <p:ext uri="{BB962C8B-B14F-4D97-AF65-F5344CB8AC3E}">
@@ -14110,7 +14745,7 @@
             </a:pPr>
             <a:r>
               <a:rPr lang="en-US" dirty="0"/>
-              <a:t>There are m’ physical hosts in the set NPH, and the probability of choosing a physical host is</a:t>
+              <a:t>There are m’ physical hosts in the set NPH, and the probability of choosing a physical host (Bi) is</a:t>
             </a:r>
           </a:p>
           <a:p>
@@ -14406,14 +15041,294 @@
         </p:blipFill>
         <p:spPr>
           <a:xfrm>
-            <a:off x="2747583" y="4122243"/>
-            <a:ext cx="5648789" cy="973539"/>
+            <a:off x="594804" y="4172504"/>
+            <a:ext cx="3750222" cy="646331"/>
           </a:xfrm>
           <a:prstGeom prst="rect">
             <a:avLst/>
           </a:prstGeom>
         </p:spPr>
       </p:pic>
+      <p:sp>
+        <p:nvSpPr>
+          <p:cNvPr id="6" name="TextBox 5">
+            <a:extLst>
+              <a:ext uri="{FF2B5EF4-FFF2-40B4-BE49-F238E27FC236}">
+                <a16:creationId xmlns:a16="http://schemas.microsoft.com/office/drawing/2014/main" id="{375962C7-9F41-42DC-A584-59DE98ACF21E}"/>
+              </a:ext>
+            </a:extLst>
+          </p:cNvPr>
+          <p:cNvSpPr txBox="1"/>
+          <p:nvPr/>
+        </p:nvSpPr>
+        <p:spPr>
+          <a:xfrm>
+            <a:off x="5019438" y="3857414"/>
+            <a:ext cx="5655076" cy="2031325"/>
+          </a:xfrm>
+          <a:prstGeom prst="rect">
+            <a:avLst/>
+          </a:prstGeom>
+          <a:noFill/>
+        </p:spPr>
+        <p:txBody>
+          <a:bodyPr wrap="square" rtlCol="0">
+            <a:spAutoFit/>
+          </a:bodyPr>
+          <a:lstStyle/>
+          <a:p>
+            <a:r>
+              <a:rPr lang="en-US" dirty="0" err="1">
+                <a:solidFill>
+                  <a:schemeClr val="accent1">
+                    <a:lumMod val="75000"/>
+                  </a:schemeClr>
+                </a:solidFill>
+              </a:rPr>
+              <a:t>Lci</a:t>
+            </a:r>
+            <a:r>
+              <a:rPr lang="en-US" dirty="0">
+                <a:solidFill>
+                  <a:schemeClr val="accent1">
+                    <a:lumMod val="75000"/>
+                  </a:schemeClr>
+                </a:solidFill>
+              </a:rPr>
+              <a:t> = = Remaining CPU resource of </a:t>
+            </a:r>
+            <a:r>
+              <a:rPr lang="en-US" dirty="0" err="1">
+                <a:solidFill>
+                  <a:schemeClr val="accent1">
+                    <a:lumMod val="75000"/>
+                  </a:schemeClr>
+                </a:solidFill>
+              </a:rPr>
+              <a:t>ith</a:t>
+            </a:r>
+            <a:r>
+              <a:rPr lang="en-US" dirty="0">
+                <a:solidFill>
+                  <a:schemeClr val="accent1">
+                    <a:lumMod val="75000"/>
+                  </a:schemeClr>
+                </a:solidFill>
+              </a:rPr>
+              <a:t> physical host </a:t>
+            </a:r>
+          </a:p>
+          <a:p>
+            <a:r>
+              <a:rPr lang="en-US" dirty="0" err="1">
+                <a:solidFill>
+                  <a:schemeClr val="accent1">
+                    <a:lumMod val="75000"/>
+                  </a:schemeClr>
+                </a:solidFill>
+              </a:rPr>
+              <a:t>Lcj</a:t>
+            </a:r>
+            <a:r>
+              <a:rPr lang="en-US" dirty="0">
+                <a:solidFill>
+                  <a:schemeClr val="accent1">
+                    <a:lumMod val="75000"/>
+                  </a:schemeClr>
+                </a:solidFill>
+              </a:rPr>
+              <a:t> = Remaining CPU resource of </a:t>
+            </a:r>
+            <a:r>
+              <a:rPr lang="en-US" dirty="0" err="1">
+                <a:solidFill>
+                  <a:schemeClr val="accent1">
+                    <a:lumMod val="75000"/>
+                  </a:schemeClr>
+                </a:solidFill>
+              </a:rPr>
+              <a:t>jth</a:t>
+            </a:r>
+            <a:r>
+              <a:rPr lang="en-US" dirty="0">
+                <a:solidFill>
+                  <a:schemeClr val="accent1">
+                    <a:lumMod val="75000"/>
+                  </a:schemeClr>
+                </a:solidFill>
+              </a:rPr>
+              <a:t> physical host</a:t>
+            </a:r>
+          </a:p>
+          <a:p>
+            <a:r>
+              <a:rPr lang="en-US" dirty="0">
+                <a:solidFill>
+                  <a:schemeClr val="accent1">
+                    <a:lumMod val="75000"/>
+                  </a:schemeClr>
+                </a:solidFill>
+              </a:rPr>
+              <a:t>Pi = posterior probability values of the </a:t>
+            </a:r>
+            <a:r>
+              <a:rPr lang="en-US" dirty="0" err="1">
+                <a:solidFill>
+                  <a:schemeClr val="accent1">
+                    <a:lumMod val="75000"/>
+                  </a:schemeClr>
+                </a:solidFill>
+              </a:rPr>
+              <a:t>ith</a:t>
+            </a:r>
+            <a:r>
+              <a:rPr lang="en-US" dirty="0">
+                <a:solidFill>
+                  <a:schemeClr val="accent1">
+                    <a:lumMod val="75000"/>
+                  </a:schemeClr>
+                </a:solidFill>
+              </a:rPr>
+              <a:t> physical host </a:t>
+            </a:r>
+          </a:p>
+          <a:p>
+            <a:r>
+              <a:rPr lang="en-US" dirty="0" err="1">
+                <a:solidFill>
+                  <a:schemeClr val="accent1">
+                    <a:lumMod val="75000"/>
+                  </a:schemeClr>
+                </a:solidFill>
+              </a:rPr>
+              <a:t>Pj</a:t>
+            </a:r>
+            <a:r>
+              <a:rPr lang="en-US" dirty="0">
+                <a:solidFill>
+                  <a:schemeClr val="accent1">
+                    <a:lumMod val="75000"/>
+                  </a:schemeClr>
+                </a:solidFill>
+              </a:rPr>
+              <a:t> = posterior probability values of the </a:t>
+            </a:r>
+            <a:r>
+              <a:rPr lang="en-US" dirty="0" err="1">
+                <a:solidFill>
+                  <a:schemeClr val="accent1">
+                    <a:lumMod val="75000"/>
+                  </a:schemeClr>
+                </a:solidFill>
+              </a:rPr>
+              <a:t>jth</a:t>
+            </a:r>
+            <a:r>
+              <a:rPr lang="en-US" dirty="0">
+                <a:solidFill>
+                  <a:schemeClr val="accent1">
+                    <a:lumMod val="75000"/>
+                  </a:schemeClr>
+                </a:solidFill>
+              </a:rPr>
+              <a:t> physical host </a:t>
+            </a:r>
+          </a:p>
+          <a:p>
+            <a:r>
+              <a:rPr lang="en-US" dirty="0" err="1">
+                <a:solidFill>
+                  <a:schemeClr val="accent1">
+                    <a:lumMod val="75000"/>
+                  </a:schemeClr>
+                </a:solidFill>
+              </a:rPr>
+              <a:t>Lmi</a:t>
+            </a:r>
+            <a:r>
+              <a:rPr lang="en-US" dirty="0">
+                <a:solidFill>
+                  <a:schemeClr val="accent1">
+                    <a:lumMod val="75000"/>
+                  </a:schemeClr>
+                </a:solidFill>
+              </a:rPr>
+              <a:t> = Remaining memory resource of </a:t>
+            </a:r>
+            <a:r>
+              <a:rPr lang="en-US" dirty="0" err="1">
+                <a:solidFill>
+                  <a:schemeClr val="accent1">
+                    <a:lumMod val="75000"/>
+                  </a:schemeClr>
+                </a:solidFill>
+              </a:rPr>
+              <a:t>jth</a:t>
+            </a:r>
+            <a:r>
+              <a:rPr lang="en-US" dirty="0">
+                <a:solidFill>
+                  <a:schemeClr val="accent1">
+                    <a:lumMod val="75000"/>
+                  </a:schemeClr>
+                </a:solidFill>
+              </a:rPr>
+              <a:t> physical host</a:t>
+            </a:r>
+          </a:p>
+          <a:p>
+            <a:r>
+              <a:rPr lang="en-US" dirty="0" err="1">
+                <a:solidFill>
+                  <a:schemeClr val="accent1">
+                    <a:lumMod val="75000"/>
+                  </a:schemeClr>
+                </a:solidFill>
+              </a:rPr>
+              <a:t>Lmj</a:t>
+            </a:r>
+            <a:r>
+              <a:rPr lang="en-US" dirty="0">
+                <a:solidFill>
+                  <a:schemeClr val="accent1">
+                    <a:lumMod val="75000"/>
+                  </a:schemeClr>
+                </a:solidFill>
+              </a:rPr>
+              <a:t> = Remaining memory resource of </a:t>
+            </a:r>
+            <a:r>
+              <a:rPr lang="en-US" dirty="0" err="1">
+                <a:solidFill>
+                  <a:schemeClr val="accent1">
+                    <a:lumMod val="75000"/>
+                  </a:schemeClr>
+                </a:solidFill>
+              </a:rPr>
+              <a:t>jth</a:t>
+            </a:r>
+            <a:r>
+              <a:rPr lang="en-US" dirty="0">
+                <a:solidFill>
+                  <a:schemeClr val="accent1">
+                    <a:lumMod val="75000"/>
+                  </a:schemeClr>
+                </a:solidFill>
+              </a:rPr>
+              <a:t> physical host</a:t>
+            </a:r>
+          </a:p>
+          <a:p>
+            <a:endParaRPr lang="en-GB" dirty="0">
+              <a:solidFill>
+                <a:schemeClr val="accent1">
+                  <a:lumMod val="75000"/>
+                </a:schemeClr>
+              </a:solidFill>
+            </a:endParaRPr>
+          </a:p>
+        </p:txBody>
+      </p:sp>
     </p:spTree>
     <p:extLst>
       <p:ext uri="{BB962C8B-B14F-4D97-AF65-F5344CB8AC3E}">
@@ -14515,7 +15430,7 @@
         </p:spPr>
         <p:txBody>
           <a:bodyPr>
-            <a:normAutofit lnSpcReduction="10000"/>
+            <a:normAutofit fontScale="92500" lnSpcReduction="10000"/>
           </a:bodyPr>
           <a:lstStyle/>
           <a:p>
@@ -14607,8 +15522,17 @@
             </a:r>
             <a:r>
               <a:rPr lang="en-US" sz="2400" b="1" i="1" dirty="0"/>
-              <a:t>NPH’ = (nph1,nph2,…nphq}  where q&lt;=m’&lt;=m</a:t>
-            </a:r>
+              <a:t>NPH’ = (nph1,nph2,…nphq}  where q&lt;=m’&lt;=m      </a:t>
+            </a:r>
+            <a:r>
+              <a:rPr lang="en-US" sz="1900" i="1" dirty="0" err="1"/>
+              <a:t>nph</a:t>
+            </a:r>
+            <a:r>
+              <a:rPr lang="en-US" sz="1900" i="1" dirty="0"/>
+              <a:t>(x)= numbering of physical hosts</a:t>
+            </a:r>
+            <a:endParaRPr lang="en-US" sz="2400" i="1" dirty="0"/>
           </a:p>
           <a:p>
             <a:pPr marL="109728" indent="0">
@@ -16816,14 +17740,18 @@
             </a:pPr>
             <a:r>
               <a:rPr lang="en-IN" dirty="0"/>
-              <a:t>						C</a:t>
-            </a:r>
-            <a:r>
-              <a:rPr lang="en-IN" baseline="-25000" dirty="0"/>
+              <a:t>						</a:t>
+            </a:r>
+            <a:r>
+              <a:rPr lang="en-IN" sz="1800" dirty="0"/>
+              <a:t>C</a:t>
+            </a:r>
+            <a:r>
+              <a:rPr lang="en-IN" sz="1800" baseline="-25000" dirty="0"/>
               <a:t>i </a:t>
             </a:r>
             <a:r>
-              <a:rPr lang="en-IN" dirty="0"/>
+              <a:rPr lang="en-IN" sz="1800" dirty="0"/>
               <a:t> - CPU utilization rate</a:t>
             </a:r>
           </a:p>
@@ -16832,26 +17760,26 @@
               <a:buNone/>
             </a:pPr>
             <a:r>
-              <a:rPr lang="en-IN" baseline="-25000" dirty="0"/>
+              <a:rPr lang="en-IN" sz="1800" baseline="-25000" dirty="0"/>
               <a:t>						</a:t>
             </a:r>
             <a:r>
-              <a:rPr lang="en-IN" dirty="0" err="1"/>
+              <a:rPr lang="en-IN" sz="1800" dirty="0" err="1"/>
               <a:t>M</a:t>
             </a:r>
             <a:r>
-              <a:rPr lang="en-IN" baseline="-25000" dirty="0" err="1"/>
+              <a:rPr lang="en-IN" sz="1800" baseline="-25000" dirty="0" err="1"/>
               <a:t>i</a:t>
             </a:r>
             <a:r>
-              <a:rPr lang="en-IN" baseline="-25000" dirty="0"/>
+              <a:rPr lang="en-IN" sz="1800" baseline="-25000" dirty="0"/>
               <a:t>  </a:t>
             </a:r>
             <a:r>
-              <a:rPr lang="en-IN" dirty="0"/>
+              <a:rPr lang="en-IN" sz="1800" dirty="0"/>
               <a:t> - Memory utilization rate</a:t>
             </a:r>
-            <a:endParaRPr lang="en-IN" baseline="-25000" dirty="0"/>
+            <a:endParaRPr lang="en-IN" sz="1800" baseline="-25000" dirty="0"/>
           </a:p>
         </p:txBody>
       </p:sp>
@@ -18872,7 +19800,7 @@
               <a:buChar char="o"/>
             </a:pPr>
             <a:r>
-              <a:rPr lang="en-US" dirty="0"/>
+              <a:rPr lang="en-US" sz="1800" dirty="0"/>
               <a:t> Two types of load balancing algorithms</a:t>
             </a:r>
           </a:p>
@@ -18897,23 +19825,23 @@
               <a:buNone/>
             </a:pPr>
             <a:r>
-              <a:rPr lang="en-US" dirty="0"/>
+              <a:rPr lang="en-US" sz="1800" dirty="0"/>
               <a:t> 	ex: </a:t>
             </a:r>
             <a:r>
-              <a:rPr lang="en-US" b="1" dirty="0"/>
+              <a:rPr lang="en-US" sz="1800" b="1" dirty="0"/>
               <a:t>OLB</a:t>
             </a:r>
             <a:r>
-              <a:rPr lang="en-US" dirty="0"/>
+              <a:rPr lang="en-US" sz="1800" dirty="0"/>
               <a:t>, </a:t>
             </a:r>
             <a:r>
-              <a:rPr lang="en-US" b="1" dirty="0"/>
+              <a:rPr lang="en-US" sz="1800" b="1" dirty="0"/>
               <a:t>LB Min-Min</a:t>
             </a:r>
             <a:r>
-              <a:rPr lang="en-US" dirty="0"/>
+              <a:rPr lang="en-US" sz="1800" dirty="0"/>
               <a:t>, round-robin, weighted round-robin, LB Min Max.</a:t>
             </a:r>
           </a:p>
@@ -18938,15 +19866,15 @@
               <a:buNone/>
             </a:pPr>
             <a:r>
-              <a:rPr lang="en-US" dirty="0"/>
+              <a:rPr lang="en-US" sz="1800" dirty="0"/>
               <a:t>	ex: </a:t>
             </a:r>
             <a:r>
-              <a:rPr lang="en-US" b="1" dirty="0"/>
+              <a:rPr lang="en-US" sz="1800" b="1" dirty="0"/>
               <a:t>Join-Idle-Queue, Honey bee foraging</a:t>
             </a:r>
             <a:r>
-              <a:rPr lang="en-US" dirty="0"/>
+              <a:rPr lang="en-US" sz="1800" dirty="0"/>
               <a:t>, Active clustering , Ant colony optimization, Biased random sampling.</a:t>
             </a:r>
           </a:p>
